--- a/materials/slides/2.6 探索式软件测试—极限测试法.pptx
+++ b/materials/slides/2.6 探索式软件测试—极限测试法.pptx
@@ -5,7 +5,7 @@
     <p:sldMasterId id="2147483648" r:id="rId1"/>
   </p:sldMasterIdLst>
   <p:notesMasterIdLst>
-    <p:notesMasterId r:id="rId14"/>
+    <p:notesMasterId r:id="rId15"/>
   </p:notesMasterIdLst>
   <p:sldIdLst>
     <p:sldId id="256" r:id="rId2"/>
@@ -19,7 +19,8 @@
     <p:sldId id="288" r:id="rId10"/>
     <p:sldId id="289" r:id="rId11"/>
     <p:sldId id="290" r:id="rId12"/>
-    <p:sldId id="274" r:id="rId13"/>
+    <p:sldId id="291" r:id="rId13"/>
+    <p:sldId id="274" r:id="rId14"/>
   </p:sldIdLst>
   <p:sldSz cx="12192000" cy="6858000"/>
   <p:notesSz cx="6858000" cy="9144000"/>
@@ -211,7 +212,7 @@
           <a:p>
             <a:fld id="{EC82124A-F363-4BD3-8BA5-C8EDB8A4673E}" type="datetimeFigureOut">
               <a:rPr lang="zh-CN" altLang="en-US" smtClean="0"/>
-              <a:t>2019/8/25</a:t>
+              <a:t>2019/9/18</a:t>
             </a:fld>
             <a:endParaRPr lang="zh-CN" altLang="en-US"/>
           </a:p>
@@ -614,7 +615,7 @@
           <a:p>
             <a:fld id="{C04CF4A6-17F9-4CD5-BCB8-44B65F331829}" type="datetimeFigureOut">
               <a:rPr lang="zh-CN" altLang="en-US" smtClean="0"/>
-              <a:t>2019/8/25</a:t>
+              <a:t>2019/9/18</a:t>
             </a:fld>
             <a:endParaRPr lang="zh-CN" altLang="en-US"/>
           </a:p>
@@ -906,7 +907,7 @@
           <a:p>
             <a:fld id="{C04CF4A6-17F9-4CD5-BCB8-44B65F331829}" type="datetimeFigureOut">
               <a:rPr lang="zh-CN" altLang="en-US" smtClean="0"/>
-              <a:t>2019/8/25</a:t>
+              <a:t>2019/9/18</a:t>
             </a:fld>
             <a:endParaRPr lang="zh-CN" altLang="en-US"/>
           </a:p>
@@ -1076,7 +1077,7 @@
           <a:p>
             <a:fld id="{C04CF4A6-17F9-4CD5-BCB8-44B65F331829}" type="datetimeFigureOut">
               <a:rPr lang="zh-CN" altLang="en-US" smtClean="0"/>
-              <a:t>2019/8/25</a:t>
+              <a:t>2019/9/18</a:t>
             </a:fld>
             <a:endParaRPr lang="zh-CN" altLang="en-US"/>
           </a:p>
@@ -1256,7 +1257,7 @@
           <a:p>
             <a:fld id="{C04CF4A6-17F9-4CD5-BCB8-44B65F331829}" type="datetimeFigureOut">
               <a:rPr lang="zh-CN" altLang="en-US" smtClean="0"/>
-              <a:t>2019/8/25</a:t>
+              <a:t>2019/9/18</a:t>
             </a:fld>
             <a:endParaRPr lang="zh-CN" altLang="en-US"/>
           </a:p>
@@ -1480,7 +1481,7 @@
           <a:p>
             <a:fld id="{C04CF4A6-17F9-4CD5-BCB8-44B65F331829}" type="datetimeFigureOut">
               <a:rPr lang="zh-CN" altLang="en-US" smtClean="0"/>
-              <a:t>2019/8/25</a:t>
+              <a:t>2019/9/18</a:t>
             </a:fld>
             <a:endParaRPr lang="zh-CN" altLang="en-US"/>
           </a:p>
@@ -1777,7 +1778,7 @@
           <a:p>
             <a:fld id="{C04CF4A6-17F9-4CD5-BCB8-44B65F331829}" type="datetimeFigureOut">
               <a:rPr lang="zh-CN" altLang="en-US" smtClean="0"/>
-              <a:t>2019/8/25</a:t>
+              <a:t>2019/9/18</a:t>
             </a:fld>
             <a:endParaRPr lang="zh-CN" altLang="en-US"/>
           </a:p>
@@ -2096,7 +2097,7 @@
           <a:p>
             <a:fld id="{C04CF4A6-17F9-4CD5-BCB8-44B65F331829}" type="datetimeFigureOut">
               <a:rPr lang="zh-CN" altLang="en-US" smtClean="0"/>
-              <a:t>2019/8/25</a:t>
+              <a:t>2019/9/18</a:t>
             </a:fld>
             <a:endParaRPr lang="zh-CN" altLang="en-US"/>
           </a:p>
@@ -2328,7 +2329,7 @@
           <a:p>
             <a:fld id="{C04CF4A6-17F9-4CD5-BCB8-44B65F331829}" type="datetimeFigureOut">
               <a:rPr lang="zh-CN" altLang="en-US" smtClean="0"/>
-              <a:t>2019/8/25</a:t>
+              <a:t>2019/9/18</a:t>
             </a:fld>
             <a:endParaRPr lang="zh-CN" altLang="en-US"/>
           </a:p>
@@ -2695,7 +2696,7 @@
           <a:p>
             <a:fld id="{C04CF4A6-17F9-4CD5-BCB8-44B65F331829}" type="datetimeFigureOut">
               <a:rPr lang="zh-CN" altLang="en-US" smtClean="0"/>
-              <a:t>2019/8/25</a:t>
+              <a:t>2019/9/18</a:t>
             </a:fld>
             <a:endParaRPr lang="zh-CN" altLang="en-US"/>
           </a:p>
@@ -2813,7 +2814,7 @@
           <a:p>
             <a:fld id="{C04CF4A6-17F9-4CD5-BCB8-44B65F331829}" type="datetimeFigureOut">
               <a:rPr lang="zh-CN" altLang="en-US" smtClean="0"/>
-              <a:t>2019/8/25</a:t>
+              <a:t>2019/9/18</a:t>
             </a:fld>
             <a:endParaRPr lang="zh-CN" altLang="en-US"/>
           </a:p>
@@ -2908,7 +2909,7 @@
           <a:p>
             <a:fld id="{C04CF4A6-17F9-4CD5-BCB8-44B65F331829}" type="datetimeFigureOut">
               <a:rPr lang="zh-CN" altLang="en-US" smtClean="0"/>
-              <a:t>2019/8/25</a:t>
+              <a:t>2019/9/18</a:t>
             </a:fld>
             <a:endParaRPr lang="zh-CN" altLang="en-US"/>
           </a:p>
@@ -3185,7 +3186,7 @@
           <a:p>
             <a:fld id="{C04CF4A6-17F9-4CD5-BCB8-44B65F331829}" type="datetimeFigureOut">
               <a:rPr lang="zh-CN" altLang="en-US" smtClean="0"/>
-              <a:t>2019/8/25</a:t>
+              <a:t>2019/9/18</a:t>
             </a:fld>
             <a:endParaRPr lang="zh-CN" altLang="en-US"/>
           </a:p>
@@ -3398,7 +3399,7 @@
           <a:p>
             <a:fld id="{C04CF4A6-17F9-4CD5-BCB8-44B65F331829}" type="datetimeFigureOut">
               <a:rPr lang="zh-CN" altLang="en-US" smtClean="0"/>
-              <a:t>2019/8/25</a:t>
+              <a:t>2019/9/18</a:t>
             </a:fld>
             <a:endParaRPr lang="zh-CN" altLang="en-US"/>
           </a:p>
@@ -3981,15 +3982,7 @@
           <a:p>
             <a:r>
               <a:rPr lang="zh-CN" altLang="en-US" dirty="0" smtClean="0"/>
-              <a:t>建立一个有嵌套很多层的文件夹结构，然后将某媒体文件放入最内层的一个文件夹，然后</a:t>
-            </a:r>
-            <a:r>
-              <a:rPr lang="zh-CN" altLang="en-US" smtClean="0"/>
-              <a:t>试图播放该媒体</a:t>
-            </a:r>
-            <a:r>
-              <a:rPr lang="zh-CN" altLang="en-US" dirty="0" smtClean="0"/>
-              <a:t>文件</a:t>
+              <a:t>建立一个有嵌套很多层的文件夹结构，然后将某媒体文件放入最内层的一个文件夹，然后试图播放该媒体文件</a:t>
             </a:r>
             <a:endParaRPr lang="en-US" altLang="zh-CN" dirty="0" smtClean="0"/>
           </a:p>
@@ -4025,6 +4018,13 @@
   <p:clrMapOvr>
     <a:masterClrMapping/>
   </p:clrMapOvr>
+  <p:timing>
+    <p:tnLst>
+      <p:par>
+        <p:cTn id="1" dur="indefinite" restart="never" nodeType="tmRoot"/>
+      </p:par>
+    </p:tnLst>
+  </p:timing>
 </p:sld>
 </file>
 
@@ -4115,10 +4115,118 @@
   <p:clrMapOvr>
     <a:masterClrMapping/>
   </p:clrMapOvr>
+  <p:timing>
+    <p:tnLst>
+      <p:par>
+        <p:cTn id="1" dur="indefinite" restart="never" nodeType="tmRoot"/>
+      </p:par>
+    </p:tnLst>
+  </p:timing>
 </p:sld>
 </file>
 
 <file path=ppt/slides/slide12.xml><?xml version="1.0" encoding="utf-8"?>
+<p:sld xmlns:a="http://schemas.openxmlformats.org/drawingml/2006/main" xmlns:r="http://schemas.openxmlformats.org/officeDocument/2006/relationships" xmlns:p="http://schemas.openxmlformats.org/presentationml/2006/main">
+  <p:cSld>
+    <p:spTree>
+      <p:nvGrpSpPr>
+        <p:cNvPr id="1" name=""/>
+        <p:cNvGrpSpPr/>
+        <p:nvPr/>
+      </p:nvGrpSpPr>
+      <p:grpSpPr>
+        <a:xfrm>
+          <a:off x="0" y="0"/>
+          <a:ext cx="0" cy="0"/>
+          <a:chOff x="0" y="0"/>
+          <a:chExt cx="0" cy="0"/>
+        </a:xfrm>
+      </p:grpSpPr>
+      <p:sp>
+        <p:nvSpPr>
+          <p:cNvPr id="2" name="标题 1"/>
+          <p:cNvSpPr>
+            <a:spLocks noGrp="1"/>
+          </p:cNvSpPr>
+          <p:nvPr>
+            <p:ph type="title"/>
+          </p:nvPr>
+        </p:nvSpPr>
+        <p:spPr/>
+        <p:txBody>
+          <a:bodyPr/>
+          <a:lstStyle/>
+          <a:p>
+            <a:r>
+              <a:rPr lang="zh-CN" altLang="en-US" dirty="0" smtClean="0"/>
+              <a:t>练习</a:t>
+            </a:r>
+            <a:r>
+              <a:rPr lang="en-US" altLang="zh-CN" dirty="0" smtClean="0"/>
+              <a:t>	</a:t>
+            </a:r>
+            <a:endParaRPr lang="zh-CN" altLang="en-US" dirty="0"/>
+          </a:p>
+        </p:txBody>
+      </p:sp>
+      <p:sp>
+        <p:nvSpPr>
+          <p:cNvPr id="3" name="内容占位符 2"/>
+          <p:cNvSpPr>
+            <a:spLocks noGrp="1"/>
+          </p:cNvSpPr>
+          <p:nvPr>
+            <p:ph idx="1"/>
+          </p:nvPr>
+        </p:nvSpPr>
+        <p:spPr/>
+        <p:txBody>
+          <a:bodyPr/>
+          <a:lstStyle/>
+          <a:p>
+            <a:r>
+              <a:rPr lang="zh-CN" altLang="en-US" dirty="0" smtClean="0"/>
+              <a:t>数据方面极限</a:t>
+            </a:r>
+            <a:endParaRPr lang="en-US" altLang="zh-CN" dirty="0" smtClean="0"/>
+          </a:p>
+          <a:p>
+            <a:r>
+              <a:rPr lang="zh-CN" altLang="en-US" dirty="0" smtClean="0"/>
+              <a:t>操作方面极限</a:t>
+            </a:r>
+            <a:endParaRPr lang="en-US" altLang="zh-CN" dirty="0" smtClean="0"/>
+          </a:p>
+          <a:p>
+            <a:r>
+              <a:rPr lang="zh-CN" altLang="en-US" dirty="0" smtClean="0"/>
+              <a:t>文本编辑方面极限测试</a:t>
+            </a:r>
+            <a:endParaRPr lang="zh-CN" altLang="en-US" dirty="0"/>
+          </a:p>
+        </p:txBody>
+      </p:sp>
+    </p:spTree>
+    <p:extLst>
+      <p:ext uri="{BB962C8B-B14F-4D97-AF65-F5344CB8AC3E}">
+        <p14:creationId xmlns:p14="http://schemas.microsoft.com/office/powerpoint/2010/main" val="2436719484"/>
+      </p:ext>
+    </p:extLst>
+  </p:cSld>
+  <p:clrMapOvr>
+    <a:masterClrMapping/>
+  </p:clrMapOvr>
+  <p:timing>
+    <p:tnLst>
+      <p:par>
+        <p:cTn id="1" dur="indefinite" restart="never" nodeType="tmRoot"/>
+      </p:par>
+    </p:tnLst>
+  </p:timing>
+</p:sld>
+</file>
+
+<file path=ppt/slides/slide13.xml><?xml version="1.0" encoding="utf-8"?>
 <p:sld xmlns:a="http://schemas.openxmlformats.org/drawingml/2006/main" xmlns:r="http://schemas.openxmlformats.org/officeDocument/2006/relationships" xmlns:p="http://schemas.openxmlformats.org/presentationml/2006/main">
   <p:cSld>
     <p:spTree>
@@ -4269,6 +4377,13 @@
   <p:clrMapOvr>
     <a:masterClrMapping/>
   </p:clrMapOvr>
+  <p:timing>
+    <p:tnLst>
+      <p:par>
+        <p:cTn id="1" dur="indefinite" restart="never" nodeType="tmRoot"/>
+      </p:par>
+    </p:tnLst>
+  </p:timing>
 </p:sld>
 </file>
 
@@ -4406,6 +4521,13 @@
   <p:clrMapOvr>
     <a:masterClrMapping/>
   </p:clrMapOvr>
+  <p:timing>
+    <p:tnLst>
+      <p:par>
+        <p:cTn id="1" dur="indefinite" restart="never" nodeType="tmRoot"/>
+      </p:par>
+    </p:tnLst>
+  </p:timing>
 </p:sld>
 </file>
 
@@ -4586,6 +4708,13 @@
   <p:clrMapOvr>
     <a:masterClrMapping/>
   </p:clrMapOvr>
+  <p:timing>
+    <p:tnLst>
+      <p:par>
+        <p:cTn id="1" dur="indefinite" restart="never" nodeType="tmRoot"/>
+      </p:par>
+    </p:tnLst>
+  </p:timing>
 </p:sld>
 </file>
 
@@ -4786,6 +4915,13 @@
   <p:clrMapOvr>
     <a:masterClrMapping/>
   </p:clrMapOvr>
+  <p:timing>
+    <p:tnLst>
+      <p:par>
+        <p:cTn id="1" dur="indefinite" restart="never" nodeType="tmRoot"/>
+      </p:par>
+    </p:tnLst>
+  </p:timing>
 </p:sld>
 </file>
 
@@ -4941,6 +5077,13 @@
   <p:clrMapOvr>
     <a:masterClrMapping/>
   </p:clrMapOvr>
+  <p:timing>
+    <p:tnLst>
+      <p:par>
+        <p:cTn id="1" dur="indefinite" restart="never" nodeType="tmRoot"/>
+      </p:par>
+    </p:tnLst>
+  </p:timing>
 </p:sld>
 </file>
 
@@ -5087,6 +5230,13 @@
   <p:clrMapOvr>
     <a:masterClrMapping/>
   </p:clrMapOvr>
+  <p:timing>
+    <p:tnLst>
+      <p:par>
+        <p:cTn id="1" dur="indefinite" restart="never" nodeType="tmRoot"/>
+      </p:par>
+    </p:tnLst>
+  </p:timing>
 </p:sld>
 </file>
 
@@ -5249,6 +5399,13 @@
   <p:clrMapOvr>
     <a:masterClrMapping/>
   </p:clrMapOvr>
+  <p:timing>
+    <p:tnLst>
+      <p:par>
+        <p:cTn id="1" dur="indefinite" restart="never" nodeType="tmRoot"/>
+      </p:par>
+    </p:tnLst>
+  </p:timing>
 </p:sld>
 </file>
 
@@ -5341,6 +5498,13 @@
   <p:clrMapOvr>
     <a:masterClrMapping/>
   </p:clrMapOvr>
+  <p:timing>
+    <p:tnLst>
+      <p:par>
+        <p:cTn id="1" dur="indefinite" restart="never" nodeType="tmRoot"/>
+      </p:par>
+    </p:tnLst>
+  </p:timing>
 </p:sld>
 </file>
 
